--- a/Projektdoku/ProjektarbeitJetstreamSkiserviceAPI.pptx
+++ b/Projektdoku/ProjektarbeitJetstreamSkiserviceAPI.pptx
@@ -113,13 +113,18 @@
       </a:defRPr>
     </a:lvl9pPr>
   </p:defaultTextStyle>
+  <p:extLst>
+    <p:ext uri="{EFAFB233-063F-42B5-8137-9DF3F51BA10A}">
+      <p15:sldGuideLst xmlns:p15="http://schemas.microsoft.com/office/powerpoint/2012/main"/>
+    </p:ext>
+  </p:extLst>
 </p:presentation>
 </file>
 
 <file path=ppt/revisionInfo.xml><?xml version="1.0" encoding="utf-8"?>
 <p1510:revInfo xmlns:a="http://schemas.openxmlformats.org/drawingml/2006/main" xmlns:r="http://schemas.openxmlformats.org/officeDocument/2006/relationships" xmlns:p1510="http://schemas.microsoft.com/office/powerpoint/2015/10/main">
   <p1510:revLst>
-    <p1510:client id="{72B369D8-CADC-4320-A03B-B7F92358BED9}" v="107" dt="2022-11-11T21:25:58.436"/>
+    <p1510:client id="{72B369D8-CADC-4320-A03B-B7F92358BED9}" v="195" dt="2022-11-12T14:46:37.467"/>
   </p1510:revLst>
 </p1510:revInfo>
 </file>
@@ -128,19 +133,34 @@
 <pc:chgInfo xmlns:a="http://schemas.openxmlformats.org/drawingml/2006/main" xmlns:r="http://schemas.openxmlformats.org/officeDocument/2006/relationships" xmlns:ac="http://schemas.microsoft.com/office/drawing/2013/main/command" xmlns:pc="http://schemas.microsoft.com/office/powerpoint/2013/main/command">
   <pc:docChgLst>
     <pc:chgData name="Alexander Ernst" userId="ee810684-0fc9-4535-8de0-16b687656ce9" providerId="ADAL" clId="{72B369D8-CADC-4320-A03B-B7F92358BED9}"/>
-    <pc:docChg chg="undo custSel addSld delSld modSld">
-      <pc:chgData name="Alexander Ernst" userId="ee810684-0fc9-4535-8de0-16b687656ce9" providerId="ADAL" clId="{72B369D8-CADC-4320-A03B-B7F92358BED9}" dt="2022-11-11T21:37:31.375" v="1579" actId="1076"/>
+    <pc:docChg chg="undo redo custSel addSld delSld modSld">
+      <pc:chgData name="Alexander Ernst" userId="ee810684-0fc9-4535-8de0-16b687656ce9" providerId="ADAL" clId="{72B369D8-CADC-4320-A03B-B7F92358BED9}" dt="2022-11-12T14:47:31.441" v="1690" actId="255"/>
       <pc:docMkLst>
         <pc:docMk/>
       </pc:docMkLst>
       <pc:sldChg chg="modSp mod">
-        <pc:chgData name="Alexander Ernst" userId="ee810684-0fc9-4535-8de0-16b687656ce9" providerId="ADAL" clId="{72B369D8-CADC-4320-A03B-B7F92358BED9}" dt="2022-11-11T21:28:47.385" v="946" actId="20577"/>
+        <pc:chgData name="Alexander Ernst" userId="ee810684-0fc9-4535-8de0-16b687656ce9" providerId="ADAL" clId="{72B369D8-CADC-4320-A03B-B7F92358BED9}" dt="2022-11-12T14:47:31.441" v="1690" actId="255"/>
+        <pc:sldMkLst>
+          <pc:docMk/>
+          <pc:sldMk cId="3698236930" sldId="256"/>
+        </pc:sldMkLst>
+        <pc:spChg chg="mod">
+          <ac:chgData name="Alexander Ernst" userId="ee810684-0fc9-4535-8de0-16b687656ce9" providerId="ADAL" clId="{72B369D8-CADC-4320-A03B-B7F92358BED9}" dt="2022-11-12T14:47:31.441" v="1690" actId="255"/>
+          <ac:spMkLst>
+            <pc:docMk/>
+            <pc:sldMk cId="3698236930" sldId="256"/>
+            <ac:spMk id="3" creationId="{E83BDC50-D8DF-9F02-C109-E233296F3E39}"/>
+          </ac:spMkLst>
+        </pc:spChg>
+      </pc:sldChg>
+      <pc:sldChg chg="modSp mod">
+        <pc:chgData name="Alexander Ernst" userId="ee810684-0fc9-4535-8de0-16b687656ce9" providerId="ADAL" clId="{72B369D8-CADC-4320-A03B-B7F92358BED9}" dt="2022-11-12T14:45:52.034" v="1688" actId="20577"/>
         <pc:sldMkLst>
           <pc:docMk/>
           <pc:sldMk cId="2077081584" sldId="257"/>
         </pc:sldMkLst>
         <pc:spChg chg="mod">
-          <ac:chgData name="Alexander Ernst" userId="ee810684-0fc9-4535-8de0-16b687656ce9" providerId="ADAL" clId="{72B369D8-CADC-4320-A03B-B7F92358BED9}" dt="2022-11-11T21:28:47.385" v="946" actId="20577"/>
+          <ac:chgData name="Alexander Ernst" userId="ee810684-0fc9-4535-8de0-16b687656ce9" providerId="ADAL" clId="{72B369D8-CADC-4320-A03B-B7F92358BED9}" dt="2022-11-12T14:45:52.034" v="1688" actId="20577"/>
           <ac:spMkLst>
             <pc:docMk/>
             <pc:sldMk cId="2077081584" sldId="257"/>
@@ -149,13 +169,13 @@
         </pc:spChg>
       </pc:sldChg>
       <pc:sldChg chg="addSp delSp modSp new mod setBg">
-        <pc:chgData name="Alexander Ernst" userId="ee810684-0fc9-4535-8de0-16b687656ce9" providerId="ADAL" clId="{72B369D8-CADC-4320-A03B-B7F92358BED9}" dt="2022-11-11T21:37:31.375" v="1579" actId="1076"/>
+        <pc:chgData name="Alexander Ernst" userId="ee810684-0fc9-4535-8de0-16b687656ce9" providerId="ADAL" clId="{72B369D8-CADC-4320-A03B-B7F92358BED9}" dt="2022-11-12T14:43:19.777" v="1653" actId="20577"/>
         <pc:sldMkLst>
           <pc:docMk/>
           <pc:sldMk cId="362447087" sldId="258"/>
         </pc:sldMkLst>
         <pc:spChg chg="mod">
-          <ac:chgData name="Alexander Ernst" userId="ee810684-0fc9-4535-8de0-16b687656ce9" providerId="ADAL" clId="{72B369D8-CADC-4320-A03B-B7F92358BED9}" dt="2022-11-11T21:37:31.375" v="1579" actId="1076"/>
+          <ac:chgData name="Alexander Ernst" userId="ee810684-0fc9-4535-8de0-16b687656ce9" providerId="ADAL" clId="{72B369D8-CADC-4320-A03B-B7F92358BED9}" dt="2022-11-12T14:42:58.805" v="1644" actId="26606"/>
           <ac:spMkLst>
             <pc:docMk/>
             <pc:sldMk cId="362447087" sldId="258"/>
@@ -170,16 +190,16 @@
             <ac:spMk id="3" creationId="{C1849664-DF9C-35F4-D34E-C4232B80875F}"/>
           </ac:spMkLst>
         </pc:spChg>
-        <pc:spChg chg="add">
-          <ac:chgData name="Alexander Ernst" userId="ee810684-0fc9-4535-8de0-16b687656ce9" providerId="ADAL" clId="{72B369D8-CADC-4320-A03B-B7F92358BED9}" dt="2022-11-11T21:32:26.330" v="1248" actId="26606"/>
+        <pc:spChg chg="add del">
+          <ac:chgData name="Alexander Ernst" userId="ee810684-0fc9-4535-8de0-16b687656ce9" providerId="ADAL" clId="{72B369D8-CADC-4320-A03B-B7F92358BED9}" dt="2022-11-12T14:42:58.805" v="1644" actId="26606"/>
           <ac:spMkLst>
             <pc:docMk/>
             <pc:sldMk cId="362447087" sldId="258"/>
             <ac:spMk id="9" creationId="{2EEF4763-EB4A-4A35-89EB-AD2763B48C3B}"/>
           </ac:spMkLst>
         </pc:spChg>
-        <pc:graphicFrameChg chg="add">
-          <ac:chgData name="Alexander Ernst" userId="ee810684-0fc9-4535-8de0-16b687656ce9" providerId="ADAL" clId="{72B369D8-CADC-4320-A03B-B7F92358BED9}" dt="2022-11-11T21:32:26.330" v="1248" actId="26606"/>
+        <pc:graphicFrameChg chg="add mod modGraphic">
+          <ac:chgData name="Alexander Ernst" userId="ee810684-0fc9-4535-8de0-16b687656ce9" providerId="ADAL" clId="{72B369D8-CADC-4320-A03B-B7F92358BED9}" dt="2022-11-12T14:43:19.777" v="1653" actId="20577"/>
           <ac:graphicFrameMkLst>
             <pc:docMk/>
             <pc:sldMk cId="362447087" sldId="258"/>
@@ -266,7 +286,7 @@
         </pc:picChg>
       </pc:sldChg>
       <pc:sldChg chg="addSp delSp modSp new mod setBg setClrOvrMap">
-        <pc:chgData name="Alexander Ernst" userId="ee810684-0fc9-4535-8de0-16b687656ce9" providerId="ADAL" clId="{72B369D8-CADC-4320-A03B-B7F92358BED9}" dt="2022-11-11T21:36:54.417" v="1570" actId="255"/>
+        <pc:chgData name="Alexander Ernst" userId="ee810684-0fc9-4535-8de0-16b687656ce9" providerId="ADAL" clId="{72B369D8-CADC-4320-A03B-B7F92358BED9}" dt="2022-11-12T14:44:35.378" v="1669" actId="20577"/>
         <pc:sldMkLst>
           <pc:docMk/>
           <pc:sldMk cId="2498217282" sldId="261"/>
@@ -320,7 +340,7 @@
           </ac:grpSpMkLst>
         </pc:grpChg>
         <pc:graphicFrameChg chg="add mod">
-          <ac:chgData name="Alexander Ernst" userId="ee810684-0fc9-4535-8de0-16b687656ce9" providerId="ADAL" clId="{72B369D8-CADC-4320-A03B-B7F92358BED9}" dt="2022-11-11T21:19:32.714" v="571" actId="20577"/>
+          <ac:chgData name="Alexander Ernst" userId="ee810684-0fc9-4535-8de0-16b687656ce9" providerId="ADAL" clId="{72B369D8-CADC-4320-A03B-B7F92358BED9}" dt="2022-11-12T14:44:35.378" v="1669" actId="20577"/>
           <ac:graphicFrameMkLst>
             <pc:docMk/>
             <pc:sldMk cId="2498217282" sldId="261"/>
@@ -526,7 +546,7 @@
         </pc:graphicFrameChg>
       </pc:sldChg>
       <pc:sldChg chg="addSp delSp modSp new mod">
-        <pc:chgData name="Alexander Ernst" userId="ee810684-0fc9-4535-8de0-16b687656ce9" providerId="ADAL" clId="{72B369D8-CADC-4320-A03B-B7F92358BED9}" dt="2022-11-11T21:29:25.693" v="948" actId="1076"/>
+        <pc:chgData name="Alexander Ernst" userId="ee810684-0fc9-4535-8de0-16b687656ce9" providerId="ADAL" clId="{72B369D8-CADC-4320-A03B-B7F92358BED9}" dt="2022-11-12T14:45:36.621" v="1672" actId="255"/>
         <pc:sldMkLst>
           <pc:docMk/>
           <pc:sldMk cId="2049013597" sldId="265"/>
@@ -580,7 +600,7 @@
           </ac:spMkLst>
         </pc:spChg>
         <pc:spChg chg="add mod">
-          <ac:chgData name="Alexander Ernst" userId="ee810684-0fc9-4535-8de0-16b687656ce9" providerId="ADAL" clId="{72B369D8-CADC-4320-A03B-B7F92358BED9}" dt="2022-11-11T21:29:20.200" v="947" actId="1076"/>
+          <ac:chgData name="Alexander Ernst" userId="ee810684-0fc9-4535-8de0-16b687656ce9" providerId="ADAL" clId="{72B369D8-CADC-4320-A03B-B7F92358BED9}" dt="2022-11-12T14:45:36.621" v="1672" actId="255"/>
           <ac:spMkLst>
             <pc:docMk/>
             <pc:sldMk cId="2049013597" sldId="265"/>
@@ -588,7 +608,7 @@
           </ac:spMkLst>
         </pc:spChg>
         <pc:spChg chg="add mod">
-          <ac:chgData name="Alexander Ernst" userId="ee810684-0fc9-4535-8de0-16b687656ce9" providerId="ADAL" clId="{72B369D8-CADC-4320-A03B-B7F92358BED9}" dt="2022-11-11T21:29:20.200" v="947" actId="1076"/>
+          <ac:chgData name="Alexander Ernst" userId="ee810684-0fc9-4535-8de0-16b687656ce9" providerId="ADAL" clId="{72B369D8-CADC-4320-A03B-B7F92358BED9}" dt="2022-11-12T14:45:36.621" v="1672" actId="255"/>
           <ac:spMkLst>
             <pc:docMk/>
             <pc:sldMk cId="2049013597" sldId="265"/>
@@ -596,7 +616,7 @@
           </ac:spMkLst>
         </pc:spChg>
         <pc:spChg chg="add mod">
-          <ac:chgData name="Alexander Ernst" userId="ee810684-0fc9-4535-8de0-16b687656ce9" providerId="ADAL" clId="{72B369D8-CADC-4320-A03B-B7F92358BED9}" dt="2022-11-11T21:29:20.200" v="947" actId="1076"/>
+          <ac:chgData name="Alexander Ernst" userId="ee810684-0fc9-4535-8de0-16b687656ce9" providerId="ADAL" clId="{72B369D8-CADC-4320-A03B-B7F92358BED9}" dt="2022-11-12T14:45:36.621" v="1672" actId="255"/>
           <ac:spMkLst>
             <pc:docMk/>
             <pc:sldMk cId="2049013597" sldId="265"/>
@@ -644,8 +664,8 @@
           </ac:picMkLst>
         </pc:picChg>
       </pc:sldChg>
-      <pc:sldChg chg="addSp delSp modSp new mod setBg addAnim">
-        <pc:chgData name="Alexander Ernst" userId="ee810684-0fc9-4535-8de0-16b687656ce9" providerId="ADAL" clId="{72B369D8-CADC-4320-A03B-B7F92358BED9}" dt="2022-11-11T21:28:11.994" v="898" actId="20577"/>
+      <pc:sldChg chg="addSp delSp modSp new mod setBg addAnim modAnim">
+        <pc:chgData name="Alexander Ernst" userId="ee810684-0fc9-4535-8de0-16b687656ce9" providerId="ADAL" clId="{72B369D8-CADC-4320-A03B-B7F92358BED9}" dt="2022-11-12T14:46:37.467" v="1689"/>
         <pc:sldMkLst>
           <pc:docMk/>
           <pc:sldMk cId="2770226779" sldId="266"/>
@@ -737,11 +757,11 @@
 </file>
 
 <file path=ppt/diagrams/colors1.xml><?xml version="1.0" encoding="utf-8"?>
-<dgm:colorsDef xmlns:dgm="http://schemas.openxmlformats.org/drawingml/2006/diagram" xmlns:a="http://schemas.openxmlformats.org/drawingml/2006/main" uniqueId="urn:microsoft.com/office/officeart/2018/5/colors/Iconchunking_neutralicontext_colorful1">
+<dgm:colorsDef xmlns:dgm="http://schemas.openxmlformats.org/drawingml/2006/diagram" xmlns:a="http://schemas.openxmlformats.org/drawingml/2006/main" uniqueId="urn:microsoft.com/office/officeart/2018/5/colors/Iconchunking_neutralicontext_accent1_2">
   <dgm:title val=""/>
   <dgm:desc val=""/>
   <dgm:catLst>
-    <dgm:cat type="colorful" pri="10100"/>
+    <dgm:cat type="accent1" pri="11200"/>
   </dgm:catLst>
   <dgm:styleLbl name="node0">
     <dgm:fillClrLst meth="repeat">
@@ -749,6 +769,18 @@
     </dgm:fillClrLst>
     <dgm:linClrLst meth="repeat">
       <a:schemeClr val="lt1"/>
+    </dgm:linClrLst>
+    <dgm:effectClrLst/>
+    <dgm:txLinClrLst/>
+    <dgm:txFillClrLst/>
+    <dgm:txEffectClrLst/>
+  </dgm:styleLbl>
+  <dgm:styleLbl name="alignNode1">
+    <dgm:fillClrLst meth="repeat">
+      <a:schemeClr val="accent1"/>
+    </dgm:fillClrLst>
+    <dgm:linClrLst meth="repeat">
+      <a:schemeClr val="accent1"/>
     </dgm:linClrLst>
     <dgm:effectClrLst/>
     <dgm:txLinClrLst/>
@@ -771,33 +803,9 @@
     </dgm:txFillClrLst>
     <dgm:txEffectClrLst/>
   </dgm:styleLbl>
-  <dgm:styleLbl name="alignNode1">
-    <dgm:fillClrLst meth="repeat">
-      <a:schemeClr val="accent2"/>
-      <a:schemeClr val="accent3"/>
-      <a:schemeClr val="accent4"/>
-      <a:schemeClr val="accent5"/>
-      <a:schemeClr val="accent6"/>
-    </dgm:fillClrLst>
-    <dgm:linClrLst meth="repeat">
-      <a:schemeClr val="accent2"/>
-      <a:schemeClr val="accent3"/>
-      <a:schemeClr val="accent4"/>
-      <a:schemeClr val="accent5"/>
-      <a:schemeClr val="accent6"/>
-    </dgm:linClrLst>
-    <dgm:effectClrLst/>
-    <dgm:txLinClrLst/>
-    <dgm:txFillClrLst/>
-    <dgm:txEffectClrLst/>
-  </dgm:styleLbl>
   <dgm:styleLbl name="lnNode1">
     <dgm:fillClrLst meth="repeat">
-      <a:schemeClr val="accent2"/>
-      <a:schemeClr val="accent3"/>
-      <a:schemeClr val="accent4"/>
-      <a:schemeClr val="accent5"/>
-      <a:schemeClr val="accent6"/>
+      <a:schemeClr val="accent1"/>
     </dgm:fillClrLst>
     <dgm:linClrLst meth="repeat">
       <a:schemeClr val="lt1"/>
@@ -809,19 +817,7 @@
   </dgm:styleLbl>
   <dgm:styleLbl name="vennNode1">
     <dgm:fillClrLst meth="repeat">
-      <a:schemeClr val="accent2">
-        <a:alpha val="50000"/>
-      </a:schemeClr>
-      <a:schemeClr val="accent3">
-        <a:alpha val="50000"/>
-      </a:schemeClr>
-      <a:schemeClr val="accent4">
-        <a:alpha val="50000"/>
-      </a:schemeClr>
-      <a:schemeClr val="accent5">
-        <a:alpha val="50000"/>
-      </a:schemeClr>
-      <a:schemeClr val="accent6">
+      <a:schemeClr val="accent1">
         <a:alpha val="50000"/>
       </a:schemeClr>
     </dgm:fillClrLst>
@@ -834,8 +830,8 @@
     <dgm:txEffectClrLst/>
   </dgm:styleLbl>
   <dgm:styleLbl name="node2">
-    <dgm:fillClrLst>
-      <a:schemeClr val="accent2"/>
+    <dgm:fillClrLst meth="repeat">
+      <a:schemeClr val="accent1"/>
     </dgm:fillClrLst>
     <dgm:linClrLst meth="repeat">
       <a:schemeClr val="lt1"/>
@@ -846,8 +842,8 @@
     <dgm:txEffectClrLst/>
   </dgm:styleLbl>
   <dgm:styleLbl name="node3">
-    <dgm:fillClrLst>
-      <a:schemeClr val="accent3"/>
+    <dgm:fillClrLst meth="repeat">
+      <a:schemeClr val="accent1"/>
     </dgm:fillClrLst>
     <dgm:linClrLst meth="repeat">
       <a:schemeClr val="lt1"/>
@@ -858,8 +854,8 @@
     <dgm:txEffectClrLst/>
   </dgm:styleLbl>
   <dgm:styleLbl name="node4">
-    <dgm:fillClrLst>
-      <a:schemeClr val="accent4"/>
+    <dgm:fillClrLst meth="repeat">
+      <a:schemeClr val="accent1"/>
     </dgm:fillClrLst>
     <dgm:linClrLst meth="repeat">
       <a:schemeClr val="lt1"/>
@@ -871,19 +867,7 @@
   </dgm:styleLbl>
   <dgm:styleLbl name="fgImgPlace1">
     <dgm:fillClrLst meth="repeat">
-      <a:schemeClr val="accent2">
-        <a:tint val="50000"/>
-      </a:schemeClr>
-      <a:schemeClr val="accent3">
-        <a:tint val="50000"/>
-      </a:schemeClr>
-      <a:schemeClr val="accent4">
-        <a:tint val="50000"/>
-      </a:schemeClr>
-      <a:schemeClr val="accent5">
-        <a:tint val="50000"/>
-      </a:schemeClr>
-      <a:schemeClr val="accent6">
+      <a:schemeClr val="accent1">
         <a:tint val="50000"/>
       </a:schemeClr>
     </dgm:fillClrLst>
@@ -898,12 +882,9 @@
     <dgm:txEffectClrLst/>
   </dgm:styleLbl>
   <dgm:styleLbl name="alignImgPlace1">
-    <dgm:fillClrLst>
+    <dgm:fillClrLst meth="repeat">
       <a:schemeClr val="accent1">
         <a:tint val="50000"/>
-      </a:schemeClr>
-      <a:schemeClr val="accent2">
-        <a:tint val="20000"/>
       </a:schemeClr>
     </dgm:fillClrLst>
     <dgm:linClrLst meth="repeat">
@@ -917,12 +898,9 @@
     <dgm:txEffectClrLst/>
   </dgm:styleLbl>
   <dgm:styleLbl name="bgImgPlace1">
-    <dgm:fillClrLst>
+    <dgm:fillClrLst meth="repeat">
       <a:schemeClr val="accent1">
         <a:tint val="50000"/>
-      </a:schemeClr>
-      <a:schemeClr val="accent2">
-        <a:tint val="20000"/>
       </a:schemeClr>
     </dgm:fillClrLst>
     <dgm:linClrLst meth="repeat">
@@ -937,14 +915,14 @@
   </dgm:styleLbl>
   <dgm:styleLbl name="sibTrans2D1">
     <dgm:fillClrLst meth="repeat">
-      <a:schemeClr val="accent2"/>
-      <a:schemeClr val="accent3"/>
-      <a:schemeClr val="accent4"/>
-      <a:schemeClr val="accent5"/>
-      <a:schemeClr val="accent6"/>
+      <a:schemeClr val="accent1">
+        <a:tint val="60000"/>
+      </a:schemeClr>
     </dgm:fillClrLst>
-    <dgm:linClrLst meth="cycle">
-      <a:schemeClr val="lt1"/>
+    <dgm:linClrLst meth="repeat">
+      <a:schemeClr val="accent1">
+        <a:tint val="60000"/>
+      </a:schemeClr>
     </dgm:linClrLst>
     <dgm:effectClrLst/>
     <dgm:txLinClrLst/>
@@ -953,54 +931,42 @@
   </dgm:styleLbl>
   <dgm:styleLbl name="fgSibTrans2D1">
     <dgm:fillClrLst meth="repeat">
-      <a:schemeClr val="accent2"/>
-      <a:schemeClr val="accent3"/>
-      <a:schemeClr val="accent4"/>
-      <a:schemeClr val="accent5"/>
-      <a:schemeClr val="accent6"/>
+      <a:schemeClr val="accent1">
+        <a:tint val="60000"/>
+      </a:schemeClr>
     </dgm:fillClrLst>
-    <dgm:linClrLst meth="cycle">
-      <a:schemeClr val="lt1"/>
+    <dgm:linClrLst meth="repeat">
+      <a:schemeClr val="accent1">
+        <a:tint val="60000"/>
+      </a:schemeClr>
     </dgm:linClrLst>
     <dgm:effectClrLst/>
     <dgm:txLinClrLst/>
-    <dgm:txFillClrLst meth="repeat">
-      <a:schemeClr val="lt1"/>
-    </dgm:txFillClrLst>
+    <dgm:txFillClrLst/>
     <dgm:txEffectClrLst/>
   </dgm:styleLbl>
   <dgm:styleLbl name="bgSibTrans2D1">
     <dgm:fillClrLst meth="repeat">
-      <a:schemeClr val="accent2"/>
-      <a:schemeClr val="accent3"/>
-      <a:schemeClr val="accent4"/>
-      <a:schemeClr val="accent5"/>
-      <a:schemeClr val="accent6"/>
+      <a:schemeClr val="accent1">
+        <a:tint val="60000"/>
+      </a:schemeClr>
     </dgm:fillClrLst>
-    <dgm:linClrLst meth="cycle">
-      <a:schemeClr val="lt1"/>
+    <dgm:linClrLst meth="repeat">
+      <a:schemeClr val="accent1">
+        <a:tint val="60000"/>
+      </a:schemeClr>
     </dgm:linClrLst>
     <dgm:effectClrLst/>
     <dgm:txLinClrLst/>
-    <dgm:txFillClrLst meth="repeat">
-      <a:schemeClr val="lt1"/>
-    </dgm:txFillClrLst>
+    <dgm:txFillClrLst/>
     <dgm:txEffectClrLst/>
   </dgm:styleLbl>
   <dgm:styleLbl name="sibTrans1D1">
     <dgm:fillClrLst meth="repeat">
-      <a:schemeClr val="accent2"/>
-      <a:schemeClr val="accent3"/>
-      <a:schemeClr val="accent4"/>
-      <a:schemeClr val="accent5"/>
-      <a:schemeClr val="accent6"/>
+      <a:schemeClr val="accent1"/>
     </dgm:fillClrLst>
     <dgm:linClrLst meth="repeat">
-      <a:schemeClr val="accent2"/>
-      <a:schemeClr val="accent3"/>
-      <a:schemeClr val="accent4"/>
-      <a:schemeClr val="accent5"/>
-      <a:schemeClr val="accent6"/>
+      <a:schemeClr val="accent1"/>
     </dgm:linClrLst>
     <dgm:effectClrLst/>
     <dgm:txLinClrLst/>
@@ -1011,10 +977,10 @@
   </dgm:styleLbl>
   <dgm:styleLbl name="callout">
     <dgm:fillClrLst meth="repeat">
-      <a:schemeClr val="accent2"/>
+      <a:schemeClr val="accent1"/>
     </dgm:fillClrLst>
     <dgm:linClrLst meth="repeat">
-      <a:schemeClr val="accent2">
+      <a:schemeClr val="accent1">
         <a:tint val="50000"/>
       </a:schemeClr>
     </dgm:linClrLst>
@@ -1039,7 +1005,7 @@
   </dgm:styleLbl>
   <dgm:styleLbl name="asst1">
     <dgm:fillClrLst meth="repeat">
-      <a:schemeClr val="accent2"/>
+      <a:schemeClr val="accent1"/>
     </dgm:fillClrLst>
     <dgm:linClrLst meth="repeat">
       <a:schemeClr val="lt1"/>
@@ -1050,8 +1016,8 @@
     <dgm:txEffectClrLst/>
   </dgm:styleLbl>
   <dgm:styleLbl name="asst2">
-    <dgm:fillClrLst>
-      <a:schemeClr val="accent3"/>
+    <dgm:fillClrLst meth="repeat">
+      <a:schemeClr val="accent1"/>
     </dgm:fillClrLst>
     <dgm:linClrLst meth="repeat">
       <a:schemeClr val="lt1"/>
@@ -1062,8 +1028,8 @@
     <dgm:txEffectClrLst/>
   </dgm:styleLbl>
   <dgm:styleLbl name="asst3">
-    <dgm:fillClrLst>
-      <a:schemeClr val="accent4"/>
+    <dgm:fillClrLst meth="repeat">
+      <a:schemeClr val="accent1"/>
     </dgm:fillClrLst>
     <dgm:linClrLst meth="repeat">
       <a:schemeClr val="lt1"/>
@@ -1074,8 +1040,8 @@
     <dgm:txEffectClrLst/>
   </dgm:styleLbl>
   <dgm:styleLbl name="asst4">
-    <dgm:fillClrLst>
-      <a:schemeClr val="accent5"/>
+    <dgm:fillClrLst meth="repeat">
+      <a:schemeClr val="accent1"/>
     </dgm:fillClrLst>
     <dgm:linClrLst meth="repeat">
       <a:schemeClr val="lt1"/>
@@ -1087,10 +1053,14 @@
   </dgm:styleLbl>
   <dgm:styleLbl name="parChTrans2D1">
     <dgm:fillClrLst meth="repeat">
-      <a:schemeClr val="accent2"/>
+      <a:schemeClr val="accent1">
+        <a:tint val="60000"/>
+      </a:schemeClr>
     </dgm:fillClrLst>
     <dgm:linClrLst meth="repeat">
-      <a:schemeClr val="lt1"/>
+      <a:schemeClr val="accent1">
+        <a:tint val="60000"/>
+      </a:schemeClr>
     </dgm:linClrLst>
     <dgm:effectClrLst/>
     <dgm:txLinClrLst/>
@@ -1101,34 +1071,38 @@
   </dgm:styleLbl>
   <dgm:styleLbl name="parChTrans2D2">
     <dgm:fillClrLst meth="repeat">
-      <a:schemeClr val="accent3"/>
+      <a:schemeClr val="accent1"/>
     </dgm:fillClrLst>
     <dgm:linClrLst meth="repeat">
-      <a:schemeClr val="lt1"/>
+      <a:schemeClr val="accent1"/>
     </dgm:linClrLst>
     <dgm:effectClrLst/>
     <dgm:txLinClrLst/>
-    <dgm:txFillClrLst/>
+    <dgm:txFillClrLst meth="repeat">
+      <a:schemeClr val="lt1"/>
+    </dgm:txFillClrLst>
     <dgm:txEffectClrLst/>
   </dgm:styleLbl>
   <dgm:styleLbl name="parChTrans2D3">
     <dgm:fillClrLst meth="repeat">
-      <a:schemeClr val="accent4"/>
+      <a:schemeClr val="accent1"/>
     </dgm:fillClrLst>
     <dgm:linClrLst meth="repeat">
-      <a:schemeClr val="lt1"/>
+      <a:schemeClr val="accent1"/>
     </dgm:linClrLst>
     <dgm:effectClrLst/>
     <dgm:txLinClrLst/>
-    <dgm:txFillClrLst/>
+    <dgm:txFillClrLst meth="repeat">
+      <a:schemeClr val="lt1"/>
+    </dgm:txFillClrLst>
     <dgm:txEffectClrLst/>
   </dgm:styleLbl>
   <dgm:styleLbl name="parChTrans2D4">
     <dgm:fillClrLst meth="repeat">
-      <a:schemeClr val="accent5"/>
+      <a:schemeClr val="accent1"/>
     </dgm:fillClrLst>
     <dgm:linClrLst meth="repeat">
-      <a:schemeClr val="lt1"/>
+      <a:schemeClr val="accent1"/>
     </dgm:linClrLst>
     <dgm:effectClrLst/>
     <dgm:txLinClrLst/>
@@ -1139,10 +1113,12 @@
   </dgm:styleLbl>
   <dgm:styleLbl name="parChTrans1D1">
     <dgm:fillClrLst meth="repeat">
-      <a:schemeClr val="accent2"/>
+      <a:schemeClr val="accent1"/>
     </dgm:fillClrLst>
     <dgm:linClrLst meth="repeat">
-      <a:schemeClr val="accent1"/>
+      <a:schemeClr val="accent1">
+        <a:shade val="60000"/>
+      </a:schemeClr>
     </dgm:linClrLst>
     <dgm:effectClrLst/>
     <dgm:txLinClrLst/>
@@ -1153,12 +1129,12 @@
   </dgm:styleLbl>
   <dgm:styleLbl name="parChTrans1D2">
     <dgm:fillClrLst meth="repeat">
-      <a:schemeClr val="accent3">
-        <a:tint val="90000"/>
-      </a:schemeClr>
+      <a:schemeClr val="accent1"/>
     </dgm:fillClrLst>
     <dgm:linClrLst meth="repeat">
-      <a:schemeClr val="accent2"/>
+      <a:schemeClr val="accent1">
+        <a:shade val="60000"/>
+      </a:schemeClr>
     </dgm:linClrLst>
     <dgm:effectClrLst/>
     <dgm:txLinClrLst/>
@@ -1169,12 +1145,12 @@
   </dgm:styleLbl>
   <dgm:styleLbl name="parChTrans1D3">
     <dgm:fillClrLst meth="repeat">
-      <a:schemeClr val="accent4">
-        <a:tint val="70000"/>
-      </a:schemeClr>
+      <a:schemeClr val="accent1"/>
     </dgm:fillClrLst>
     <dgm:linClrLst meth="repeat">
-      <a:schemeClr val="accent3"/>
+      <a:schemeClr val="accent1">
+        <a:shade val="80000"/>
+      </a:schemeClr>
     </dgm:linClrLst>
     <dgm:effectClrLst/>
     <dgm:txLinClrLst/>
@@ -1185,12 +1161,12 @@
   </dgm:styleLbl>
   <dgm:styleLbl name="parChTrans1D4">
     <dgm:fillClrLst meth="repeat">
-      <a:schemeClr val="accent5">
-        <a:tint val="50000"/>
-      </a:schemeClr>
+      <a:schemeClr val="accent1"/>
     </dgm:fillClrLst>
     <dgm:linClrLst meth="repeat">
-      <a:schemeClr val="accent4"/>
+      <a:schemeClr val="accent1">
+        <a:shade val="80000"/>
+      </a:schemeClr>
     </dgm:linClrLst>
     <dgm:effectClrLst/>
     <dgm:txLinClrLst/>
@@ -1206,11 +1182,7 @@
       </a:schemeClr>
     </dgm:fillClrLst>
     <dgm:linClrLst meth="repeat">
-      <a:schemeClr val="accent2"/>
-      <a:schemeClr val="accent3"/>
-      <a:schemeClr val="accent4"/>
-      <a:schemeClr val="accent5"/>
-      <a:schemeClr val="accent6"/>
+      <a:schemeClr val="accent1"/>
     </dgm:linClrLst>
     <dgm:effectClrLst/>
     <dgm:txLinClrLst/>
@@ -1226,11 +1198,7 @@
       </a:schemeClr>
     </dgm:fillClrLst>
     <dgm:linClrLst meth="repeat">
-      <a:schemeClr val="accent2"/>
-      <a:schemeClr val="accent3"/>
-      <a:schemeClr val="accent4"/>
-      <a:schemeClr val="accent5"/>
-      <a:schemeClr val="accent6"/>
+      <a:schemeClr val="accent1"/>
     </dgm:linClrLst>
     <dgm:effectClrLst/>
     <dgm:txLinClrLst/>
@@ -1246,11 +1214,7 @@
       </a:schemeClr>
     </dgm:fillClrLst>
     <dgm:linClrLst meth="repeat">
-      <a:schemeClr val="accent2"/>
-      <a:schemeClr val="accent3"/>
-      <a:schemeClr val="accent4"/>
-      <a:schemeClr val="accent5"/>
-      <a:schemeClr val="accent6"/>
+      <a:schemeClr val="accent1"/>
     </dgm:linClrLst>
     <dgm:effectClrLst/>
     <dgm:txLinClrLst/>
@@ -1282,11 +1246,7 @@
       </a:schemeClr>
     </dgm:fillClrLst>
     <dgm:linClrLst meth="repeat">
-      <a:schemeClr val="accent2"/>
-      <a:schemeClr val="accent3"/>
-      <a:schemeClr val="accent4"/>
-      <a:schemeClr val="accent5"/>
-      <a:schemeClr val="accent6"/>
+      <a:schemeClr val="accent1"/>
     </dgm:linClrLst>
     <dgm:effectClrLst/>
     <dgm:txLinClrLst/>
@@ -1300,11 +1260,7 @@
       <a:schemeClr val="lt1"/>
     </dgm:fillClrLst>
     <dgm:linClrLst meth="repeat">
-      <a:schemeClr val="accent2"/>
-      <a:schemeClr val="accent3"/>
-      <a:schemeClr val="accent4"/>
-      <a:schemeClr val="accent5"/>
-      <a:schemeClr val="accent6"/>
+      <a:schemeClr val="accent1"/>
     </dgm:linClrLst>
     <dgm:effectClrLst/>
     <dgm:txLinClrLst/>
@@ -1318,11 +1274,7 @@
       <a:schemeClr val="lt1"/>
     </dgm:fillClrLst>
     <dgm:linClrLst meth="repeat">
-      <a:schemeClr val="accent2"/>
-      <a:schemeClr val="accent3"/>
-      <a:schemeClr val="accent4"/>
-      <a:schemeClr val="accent5"/>
-      <a:schemeClr val="accent6"/>
+      <a:schemeClr val="accent1"/>
     </dgm:linClrLst>
     <dgm:effectClrLst/>
     <dgm:txLinClrLst/>
@@ -1336,11 +1288,7 @@
       <a:schemeClr val="lt1"/>
     </dgm:fillClrLst>
     <dgm:linClrLst meth="repeat">
-      <a:schemeClr val="accent2"/>
-      <a:schemeClr val="accent3"/>
-      <a:schemeClr val="accent4"/>
-      <a:schemeClr val="accent5"/>
-      <a:schemeClr val="accent6"/>
+      <a:schemeClr val="accent1"/>
     </dgm:linClrLst>
     <dgm:effectClrLst/>
     <dgm:txLinClrLst/>
@@ -1351,47 +1299,15 @@
   </dgm:styleLbl>
   <dgm:styleLbl name="fgAccFollowNode1">
     <dgm:fillClrLst meth="repeat">
-      <a:schemeClr val="accent2">
+      <a:schemeClr val="accent1">
+        <a:alpha val="90000"/>
         <a:tint val="40000"/>
-        <a:alpha val="90000"/>
-      </a:schemeClr>
-      <a:schemeClr val="accent3">
-        <a:tint val="40000"/>
-        <a:alpha val="90000"/>
-      </a:schemeClr>
-      <a:schemeClr val="accent4">
-        <a:tint val="40000"/>
-        <a:alpha val="90000"/>
-      </a:schemeClr>
-      <a:schemeClr val="accent5">
-        <a:tint val="40000"/>
-        <a:alpha val="90000"/>
-      </a:schemeClr>
-      <a:schemeClr val="accent6">
-        <a:tint val="40000"/>
-        <a:alpha val="90000"/>
       </a:schemeClr>
     </dgm:fillClrLst>
     <dgm:linClrLst meth="repeat">
-      <a:schemeClr val="accent2">
+      <a:schemeClr val="accent1">
+        <a:alpha val="90000"/>
         <a:tint val="40000"/>
-        <a:alpha val="90000"/>
-      </a:schemeClr>
-      <a:schemeClr val="accent3">
-        <a:tint val="40000"/>
-        <a:alpha val="90000"/>
-      </a:schemeClr>
-      <a:schemeClr val="accent4">
-        <a:tint val="40000"/>
-        <a:alpha val="90000"/>
-      </a:schemeClr>
-      <a:schemeClr val="accent5">
-        <a:tint val="40000"/>
-        <a:alpha val="90000"/>
-      </a:schemeClr>
-      <a:schemeClr val="accent6">
-        <a:tint val="40000"/>
-        <a:alpha val="90000"/>
       </a:schemeClr>
     </dgm:linClrLst>
     <dgm:effectClrLst/>
@@ -1403,47 +1319,15 @@
   </dgm:styleLbl>
   <dgm:styleLbl name="alignAccFollowNode1">
     <dgm:fillClrLst meth="repeat">
-      <a:schemeClr val="accent2">
+      <a:schemeClr val="accent1">
+        <a:alpha val="90000"/>
         <a:tint val="40000"/>
-        <a:alpha val="90000"/>
-      </a:schemeClr>
-      <a:schemeClr val="accent3">
-        <a:tint val="40000"/>
-        <a:alpha val="90000"/>
-      </a:schemeClr>
-      <a:schemeClr val="accent4">
-        <a:tint val="40000"/>
-        <a:alpha val="90000"/>
-      </a:schemeClr>
-      <a:schemeClr val="accent5">
-        <a:tint val="40000"/>
-        <a:alpha val="90000"/>
-      </a:schemeClr>
-      <a:schemeClr val="accent6">
-        <a:tint val="40000"/>
-        <a:alpha val="90000"/>
       </a:schemeClr>
     </dgm:fillClrLst>
     <dgm:linClrLst meth="repeat">
-      <a:schemeClr val="accent2">
+      <a:schemeClr val="accent1">
+        <a:alpha val="90000"/>
         <a:tint val="40000"/>
-        <a:alpha val="90000"/>
-      </a:schemeClr>
-      <a:schemeClr val="accent3">
-        <a:tint val="40000"/>
-        <a:alpha val="90000"/>
-      </a:schemeClr>
-      <a:schemeClr val="accent4">
-        <a:tint val="40000"/>
-        <a:alpha val="90000"/>
-      </a:schemeClr>
-      <a:schemeClr val="accent5">
-        <a:tint val="40000"/>
-        <a:alpha val="90000"/>
-      </a:schemeClr>
-      <a:schemeClr val="accent6">
-        <a:tint val="40000"/>
-        <a:alpha val="90000"/>
       </a:schemeClr>
     </dgm:linClrLst>
     <dgm:effectClrLst/>
@@ -1455,47 +1339,15 @@
   </dgm:styleLbl>
   <dgm:styleLbl name="bgAccFollowNode1">
     <dgm:fillClrLst meth="repeat">
-      <a:schemeClr val="accent2">
+      <a:schemeClr val="accent1">
+        <a:alpha val="90000"/>
         <a:tint val="40000"/>
-        <a:alpha val="90000"/>
-      </a:schemeClr>
-      <a:schemeClr val="accent3">
-        <a:tint val="40000"/>
-        <a:alpha val="90000"/>
-      </a:schemeClr>
-      <a:schemeClr val="accent4">
-        <a:tint val="40000"/>
-        <a:alpha val="90000"/>
-      </a:schemeClr>
-      <a:schemeClr val="accent5">
-        <a:tint val="40000"/>
-        <a:alpha val="90000"/>
-      </a:schemeClr>
-      <a:schemeClr val="accent6">
-        <a:tint val="40000"/>
-        <a:alpha val="90000"/>
       </a:schemeClr>
     </dgm:fillClrLst>
     <dgm:linClrLst meth="repeat">
-      <a:schemeClr val="accent2">
+      <a:schemeClr val="accent1">
+        <a:alpha val="90000"/>
         <a:tint val="40000"/>
-        <a:alpha val="90000"/>
-      </a:schemeClr>
-      <a:schemeClr val="accent3">
-        <a:tint val="40000"/>
-        <a:alpha val="90000"/>
-      </a:schemeClr>
-      <a:schemeClr val="accent4">
-        <a:tint val="40000"/>
-        <a:alpha val="90000"/>
-      </a:schemeClr>
-      <a:schemeClr val="accent5">
-        <a:tint val="40000"/>
-        <a:alpha val="90000"/>
-      </a:schemeClr>
-      <a:schemeClr val="accent6">
-        <a:tint val="40000"/>
-        <a:alpha val="90000"/>
       </a:schemeClr>
     </dgm:linClrLst>
     <dgm:effectClrLst/>
@@ -1511,7 +1363,7 @@
         <a:alpha val="90000"/>
       </a:schemeClr>
     </dgm:fillClrLst>
-    <dgm:linClrLst>
+    <dgm:linClrLst meth="repeat">
       <a:schemeClr val="accent1"/>
     </dgm:linClrLst>
     <dgm:effectClrLst/>
@@ -1527,8 +1379,8 @@
         <a:alpha val="90000"/>
       </a:schemeClr>
     </dgm:fillClrLst>
-    <dgm:linClrLst>
-      <a:schemeClr val="accent2"/>
+    <dgm:linClrLst meth="repeat">
+      <a:schemeClr val="accent1"/>
     </dgm:linClrLst>
     <dgm:effectClrLst/>
     <dgm:txLinClrLst/>
@@ -1543,8 +1395,8 @@
         <a:alpha val="90000"/>
       </a:schemeClr>
     </dgm:fillClrLst>
-    <dgm:linClrLst>
-      <a:schemeClr val="accent3"/>
+    <dgm:linClrLst meth="repeat">
+      <a:schemeClr val="accent1"/>
     </dgm:linClrLst>
     <dgm:effectClrLst/>
     <dgm:txLinClrLst/>
@@ -1559,8 +1411,8 @@
         <a:alpha val="90000"/>
       </a:schemeClr>
     </dgm:fillClrLst>
-    <dgm:linClrLst>
-      <a:schemeClr val="accent4"/>
+    <dgm:linClrLst meth="repeat">
+      <a:schemeClr val="accent1"/>
     </dgm:linClrLst>
     <dgm:effectClrLst/>
     <dgm:txLinClrLst/>
@@ -1571,11 +1423,7 @@
   </dgm:styleLbl>
   <dgm:styleLbl name="bgShp">
     <dgm:fillClrLst meth="repeat">
-      <a:schemeClr val="accent2"/>
-      <a:schemeClr val="accent3"/>
-      <a:schemeClr val="accent4"/>
-      <a:schemeClr val="accent5"/>
-      <a:schemeClr val="accent6"/>
+      <a:schemeClr val="accent1"/>
     </dgm:fillClrLst>
     <dgm:linClrLst meth="repeat">
       <a:schemeClr val="lt1">
@@ -1589,12 +1437,12 @@
   </dgm:styleLbl>
   <dgm:styleLbl name="dkBgShp">
     <dgm:fillClrLst meth="repeat">
-      <a:schemeClr val="accent2">
-        <a:shade val="90000"/>
+      <a:schemeClr val="accent1">
+        <a:shade val="80000"/>
       </a:schemeClr>
     </dgm:fillClrLst>
     <dgm:linClrLst meth="repeat">
-      <a:schemeClr val="dk1"/>
+      <a:schemeClr val="accent1"/>
     </dgm:linClrLst>
     <dgm:effectClrLst/>
     <dgm:txLinClrLst/>
@@ -1611,7 +1459,7 @@
       </a:schemeClr>
     </dgm:fillClrLst>
     <dgm:linClrLst meth="repeat">
-      <a:schemeClr val="accent2"/>
+      <a:schemeClr val="accent1"/>
     </dgm:linClrLst>
     <dgm:effectClrLst/>
     <dgm:txLinClrLst/>
@@ -1622,8 +1470,8 @@
   </dgm:styleLbl>
   <dgm:styleLbl name="fgShp">
     <dgm:fillClrLst meth="repeat">
-      <a:schemeClr val="accent2">
-        <a:tint val="40000"/>
+      <a:schemeClr val="accent1">
+        <a:tint val="60000"/>
       </a:schemeClr>
     </dgm:fillClrLst>
     <dgm:linClrLst meth="repeat">
@@ -3225,7 +3073,7 @@
 <dgm:dataModel xmlns:dgm="http://schemas.openxmlformats.org/drawingml/2006/diagram" xmlns:a="http://schemas.openxmlformats.org/drawingml/2006/main">
   <dgm:ptLst>
     <dgm:pt modelId="{F106C43D-E694-494D-A9A2-C51D37CD3C6D}" type="doc">
-      <dgm:prSet loTypeId="urn:microsoft.com/office/officeart/2018/2/layout/IconVerticalSolidList" loCatId="icon" qsTypeId="urn:microsoft.com/office/officeart/2005/8/quickstyle/simple1" qsCatId="simple" csTypeId="urn:microsoft.com/office/officeart/2018/5/colors/Iconchunking_neutralicontext_colorful1" csCatId="colorful" phldr="1"/>
+      <dgm:prSet loTypeId="urn:microsoft.com/office/officeart/2018/2/layout/IconVerticalSolidList" loCatId="icon" qsTypeId="urn:microsoft.com/office/officeart/2005/8/quickstyle/simple1" qsCatId="simple" csTypeId="urn:microsoft.com/office/officeart/2018/5/colors/Iconchunking_neutralicontext_accent1_2" csCatId="accent1" phldr="1"/>
       <dgm:spPr/>
       <dgm:t>
         <a:bodyPr/>
@@ -3244,7 +3092,7 @@
         <a:p>
           <a:r>
             <a:rPr lang="de-DE" dirty="0"/>
-            <a:t>Die Firma Jetstream-Service hat eine bereits eine Online Anmeldung, ihnen fehlt aber noch ein Web API für den Backend.</a:t>
+            <a:t>Die Firma Jetstream-Service führt Ski Service Aufträge im Winter durch, hat eine bereits eine Online Anmeldung, ihnen fehlt aber noch ein Web API für den Backend.</a:t>
           </a:r>
           <a:endParaRPr lang="en-US" dirty="0"/>
         </a:p>
@@ -3280,10 +3128,10 @@
         <a:lstStyle/>
         <a:p>
           <a:r>
-            <a:rPr lang="de-DE"/>
+            <a:rPr lang="de-DE" dirty="0"/>
             <a:t>Die Firma will ein Web API mit einer Verbindung zu einem SQL Server, einer Authentifikation und einigen anderen Anforderungen.</a:t>
           </a:r>
-          <a:endParaRPr lang="en-US"/>
+          <a:endParaRPr lang="en-US" dirty="0"/>
         </a:p>
       </dgm:t>
     </dgm:pt>
@@ -3443,7 +3291,7 @@
   <dgm:whole/>
   <dgm:extLst>
     <a:ext uri="http://schemas.microsoft.com/office/drawing/2008/diagram">
-      <dsp:dataModelExt xmlns:dsp="http://schemas.microsoft.com/office/drawing/2008/diagram" relId="rId6" minVer="http://schemas.openxmlformats.org/drawingml/2006/diagram"/>
+      <dsp:dataModelExt xmlns:dsp="http://schemas.microsoft.com/office/drawing/2008/diagram" relId="rId7" minVer="http://schemas.openxmlformats.org/drawingml/2006/diagram"/>
     </a:ext>
   </dgm:extLst>
 </dgm:dataModel>
@@ -3509,7 +3357,7 @@
         <a:p>
           <a:r>
             <a:rPr lang="de-DE" dirty="0"/>
-            <a:t>Planen – Aufbau Web API/Datenbank, Zeitplanung</a:t>
+            <a:t>Planen – Aufbau Datenbank/Web API, Zeitplanung</a:t>
           </a:r>
           <a:endParaRPr lang="en-US" dirty="0"/>
         </a:p>
@@ -3583,7 +3431,7 @@
         <a:p>
           <a:r>
             <a:rPr lang="de-DE" dirty="0"/>
-            <a:t>Realisieren – Web API/Datenbank realisieren</a:t>
+            <a:t>Realisieren – Datenbank/Web API realisieren</a:t>
           </a:r>
           <a:endParaRPr lang="en-US" dirty="0"/>
         </a:p>
@@ -3620,7 +3468,7 @@
         <a:p>
           <a:r>
             <a:rPr lang="de-DE" dirty="0"/>
-            <a:t>Kontrollieren – Postman testen</a:t>
+            <a:t>Kontrollieren – Mit Postman testen</a:t>
           </a:r>
           <a:endParaRPr lang="en-US" dirty="0"/>
         </a:p>
@@ -3827,10 +3675,10 @@
         <a:lstStyle/>
         <a:p>
           <a:r>
-            <a:rPr lang="de-DE"/>
+            <a:rPr lang="de-DE" dirty="0"/>
             <a:t>Zugriff von Status auf Registrationen</a:t>
           </a:r>
-          <a:endParaRPr lang="en-US"/>
+          <a:endParaRPr lang="en-US" dirty="0"/>
         </a:p>
       </dgm:t>
     </dgm:pt>
@@ -4014,8 +3862,8 @@
       </dsp:nvSpPr>
       <dsp:spPr>
         <a:xfrm>
-          <a:off x="0" y="582538"/>
-          <a:ext cx="9905999" cy="1075455"/>
+          <a:off x="0" y="510692"/>
+          <a:ext cx="9906000" cy="942816"/>
         </a:xfrm>
         <a:prstGeom prst="roundRect">
           <a:avLst>
@@ -4023,7 +3871,7 @@
           </a:avLst>
         </a:prstGeom>
         <a:solidFill>
-          <a:schemeClr val="accent2">
+          <a:schemeClr val="accent1">
             <a:hueOff val="0"/>
             <a:satOff val="0"/>
             <a:lumOff val="0"/>
@@ -4055,8 +3903,8 @@
       </dsp:nvSpPr>
       <dsp:spPr>
         <a:xfrm>
-          <a:off x="325325" y="824515"/>
-          <a:ext cx="591500" cy="591500"/>
+          <a:off x="285201" y="722825"/>
+          <a:ext cx="518548" cy="518548"/>
         </a:xfrm>
         <a:prstGeom prst="rect">
           <a:avLst/>
@@ -4104,8 +3952,8 @@
       </dsp:nvSpPr>
       <dsp:spPr>
         <a:xfrm>
-          <a:off x="1242150" y="582538"/>
-          <a:ext cx="8663848" cy="1075455"/>
+          <a:off x="1088952" y="510692"/>
+          <a:ext cx="8817047" cy="942816"/>
         </a:xfrm>
         <a:prstGeom prst="rect">
           <a:avLst/>
@@ -4129,12 +3977,12 @@
         <a:fontRef idx="minor"/>
       </dsp:style>
       <dsp:txBody>
-        <a:bodyPr spcFirstLastPara="0" vert="horz" wrap="square" lIns="113819" tIns="113819" rIns="113819" bIns="113819" numCol="1" spcCol="1270" anchor="ctr" anchorCtr="0">
+        <a:bodyPr spcFirstLastPara="0" vert="horz" wrap="square" lIns="99781" tIns="99781" rIns="99781" bIns="99781" numCol="1" spcCol="1270" anchor="ctr" anchorCtr="0">
           <a:noAutofit/>
         </a:bodyPr>
         <a:lstStyle/>
         <a:p>
-          <a:pPr marL="0" lvl="0" indent="0" algn="l" defTabSz="1111250">
+          <a:pPr marL="0" lvl="0" indent="0" algn="l" defTabSz="889000">
             <a:lnSpc>
               <a:spcPct val="90000"/>
             </a:lnSpc>
@@ -4147,15 +3995,15 @@
             <a:buNone/>
           </a:pPr>
           <a:r>
-            <a:rPr lang="de-DE" sz="2500" kern="1200" dirty="0"/>
-            <a:t>Die Firma Jetstream-Service hat eine bereits eine Online Anmeldung, ihnen fehlt aber noch ein Web API für den Backend.</a:t>
+            <a:rPr lang="de-DE" sz="2000" kern="1200" dirty="0"/>
+            <a:t>Die Firma Jetstream-Service führt Ski Service Aufträge im Winter durch, hat eine bereits eine Online Anmeldung, ihnen fehlt aber noch ein Web API für den Backend.</a:t>
           </a:r>
-          <a:endParaRPr lang="en-US" sz="2500" kern="1200" dirty="0"/>
+          <a:endParaRPr lang="en-US" sz="2000" kern="1200" dirty="0"/>
         </a:p>
       </dsp:txBody>
       <dsp:txXfrm>
-        <a:off x="1242150" y="582538"/>
-        <a:ext cx="8663848" cy="1075455"/>
+        <a:off x="1088952" y="510692"/>
+        <a:ext cx="8817047" cy="942816"/>
       </dsp:txXfrm>
     </dsp:sp>
     <dsp:sp modelId="{56451EC5-5863-4C30-B7BD-39232827D42B}">
@@ -4165,8 +4013,8 @@
       </dsp:nvSpPr>
       <dsp:spPr>
         <a:xfrm>
-          <a:off x="0" y="1926856"/>
-          <a:ext cx="9905999" cy="1075455"/>
+          <a:off x="0" y="1689212"/>
+          <a:ext cx="9906000" cy="942816"/>
         </a:xfrm>
         <a:prstGeom prst="roundRect">
           <a:avLst>
@@ -4174,7 +4022,7 @@
           </a:avLst>
         </a:prstGeom>
         <a:solidFill>
-          <a:schemeClr val="accent3">
+          <a:schemeClr val="accent1">
             <a:hueOff val="0"/>
             <a:satOff val="0"/>
             <a:lumOff val="0"/>
@@ -4206,8 +4054,8 @@
       </dsp:nvSpPr>
       <dsp:spPr>
         <a:xfrm>
-          <a:off x="325325" y="2168834"/>
-          <a:ext cx="591500" cy="591500"/>
+          <a:off x="285201" y="1901346"/>
+          <a:ext cx="518548" cy="518548"/>
         </a:xfrm>
         <a:prstGeom prst="rect">
           <a:avLst/>
@@ -4255,8 +4103,8 @@
       </dsp:nvSpPr>
       <dsp:spPr>
         <a:xfrm>
-          <a:off x="1242150" y="1926856"/>
-          <a:ext cx="8663848" cy="1075455"/>
+          <a:off x="1088952" y="1689212"/>
+          <a:ext cx="8817047" cy="942816"/>
         </a:xfrm>
         <a:prstGeom prst="rect">
           <a:avLst/>
@@ -4280,12 +4128,12 @@
         <a:fontRef idx="minor"/>
       </dsp:style>
       <dsp:txBody>
-        <a:bodyPr spcFirstLastPara="0" vert="horz" wrap="square" lIns="113819" tIns="113819" rIns="113819" bIns="113819" numCol="1" spcCol="1270" anchor="ctr" anchorCtr="0">
+        <a:bodyPr spcFirstLastPara="0" vert="horz" wrap="square" lIns="99781" tIns="99781" rIns="99781" bIns="99781" numCol="1" spcCol="1270" anchor="ctr" anchorCtr="0">
           <a:noAutofit/>
         </a:bodyPr>
         <a:lstStyle/>
         <a:p>
-          <a:pPr marL="0" lvl="0" indent="0" algn="l" defTabSz="1111250">
+          <a:pPr marL="0" lvl="0" indent="0" algn="l" defTabSz="889000">
             <a:lnSpc>
               <a:spcPct val="90000"/>
             </a:lnSpc>
@@ -4298,15 +4146,15 @@
             <a:buNone/>
           </a:pPr>
           <a:r>
-            <a:rPr lang="de-DE" sz="2500" kern="1200"/>
+            <a:rPr lang="de-DE" sz="2000" kern="1200" dirty="0"/>
             <a:t>Die Firma will ein Web API mit einer Verbindung zu einem SQL Server, einer Authentifikation und einigen anderen Anforderungen.</a:t>
           </a:r>
-          <a:endParaRPr lang="en-US" sz="2500" kern="1200"/>
+          <a:endParaRPr lang="en-US" sz="2000" kern="1200" dirty="0"/>
         </a:p>
       </dsp:txBody>
       <dsp:txXfrm>
-        <a:off x="1242150" y="1926856"/>
-        <a:ext cx="8663848" cy="1075455"/>
+        <a:off x="1088952" y="1689212"/>
+        <a:ext cx="8817047" cy="942816"/>
       </dsp:txXfrm>
     </dsp:sp>
   </dsp:spTree>
@@ -4467,7 +4315,7 @@
           </a:pPr>
           <a:r>
             <a:rPr lang="de-DE" sz="2300" kern="1200" dirty="0"/>
-            <a:t>Planen – Aufbau Web API/Datenbank, Zeitplanung</a:t>
+            <a:t>Planen – Aufbau Datenbank/Web API, Zeitplanung</a:t>
           </a:r>
           <a:endParaRPr lang="en-US" sz="2300" kern="1200" dirty="0"/>
         </a:p>
@@ -4623,7 +4471,7 @@
           </a:pPr>
           <a:r>
             <a:rPr lang="de-DE" sz="2300" kern="1200" dirty="0"/>
-            <a:t>Realisieren – Web API/Datenbank realisieren</a:t>
+            <a:t>Realisieren – Datenbank/Web API realisieren</a:t>
           </a:r>
           <a:endParaRPr lang="en-US" sz="2300" kern="1200" dirty="0"/>
         </a:p>
@@ -4701,7 +4549,7 @@
           </a:pPr>
           <a:r>
             <a:rPr lang="de-DE" sz="2300" kern="1200" dirty="0"/>
-            <a:t>Kontrollieren – Postman testen</a:t>
+            <a:t>Kontrollieren – Mit Postman testen</a:t>
           </a:r>
           <a:endParaRPr lang="en-US" sz="2300" kern="1200" dirty="0"/>
         </a:p>
@@ -4868,10 +4716,10 @@
             <a:buNone/>
           </a:pPr>
           <a:r>
-            <a:rPr lang="de-DE" sz="3400" kern="1200"/>
+            <a:rPr lang="de-DE" sz="3400" kern="1200" dirty="0"/>
             <a:t>Zugriff von Status auf Registrationen</a:t>
           </a:r>
-          <a:endParaRPr lang="en-US" sz="3400" kern="1200"/>
+          <a:endParaRPr lang="en-US" sz="3400" kern="1200" dirty="0"/>
         </a:p>
       </dsp:txBody>
       <dsp:txXfrm>
@@ -13045,7 +12893,7 @@
           <a:p>
             <a:fld id="{48A87A34-81AB-432B-8DAE-1953F412C126}" type="datetimeFigureOut">
               <a:rPr lang="en-US" dirty="0"/>
-              <a:t>11/11/2022</a:t>
+              <a:t>11/12/2022</a:t>
             </a:fld>
             <a:endParaRPr lang="en-US" dirty="0"/>
           </a:p>
@@ -13307,7 +13155,7 @@
           <a:p>
             <a:fld id="{48A87A34-81AB-432B-8DAE-1953F412C126}" type="datetimeFigureOut">
               <a:rPr lang="en-US" dirty="0"/>
-              <a:t>11/11/2022</a:t>
+              <a:t>11/12/2022</a:t>
             </a:fld>
             <a:endParaRPr lang="en-US" dirty="0"/>
           </a:p>
@@ -13498,7 +13346,7 @@
           <a:p>
             <a:fld id="{48A87A34-81AB-432B-8DAE-1953F412C126}" type="datetimeFigureOut">
               <a:rPr lang="en-US" dirty="0"/>
-              <a:t>11/11/2022</a:t>
+              <a:t>11/12/2022</a:t>
             </a:fld>
             <a:endParaRPr lang="en-US" dirty="0"/>
           </a:p>
@@ -13756,7 +13604,7 @@
           <a:p>
             <a:fld id="{48A87A34-81AB-432B-8DAE-1953F412C126}" type="datetimeFigureOut">
               <a:rPr lang="en-US" dirty="0"/>
-              <a:t>11/11/2022</a:t>
+              <a:t>11/12/2022</a:t>
             </a:fld>
             <a:endParaRPr lang="en-US" dirty="0"/>
           </a:p>
@@ -14185,7 +14033,7 @@
           <a:p>
             <a:fld id="{48A87A34-81AB-432B-8DAE-1953F412C126}" type="datetimeFigureOut">
               <a:rPr lang="en-US" dirty="0"/>
-              <a:t>11/11/2022</a:t>
+              <a:t>11/12/2022</a:t>
             </a:fld>
             <a:endParaRPr lang="en-US" dirty="0"/>
           </a:p>
@@ -14726,7 +14574,7 @@
           <a:p>
             <a:fld id="{48A87A34-81AB-432B-8DAE-1953F412C126}" type="datetimeFigureOut">
               <a:rPr lang="en-US" dirty="0"/>
-              <a:t>11/11/2022</a:t>
+              <a:t>11/12/2022</a:t>
             </a:fld>
             <a:endParaRPr lang="en-US" dirty="0"/>
           </a:p>
@@ -15441,7 +15289,7 @@
           <a:p>
             <a:fld id="{48A87A34-81AB-432B-8DAE-1953F412C126}" type="datetimeFigureOut">
               <a:rPr lang="en-US" dirty="0"/>
-              <a:t>11/11/2022</a:t>
+              <a:t>11/12/2022</a:t>
             </a:fld>
             <a:endParaRPr lang="en-US" dirty="0"/>
           </a:p>
@@ -15606,7 +15454,7 @@
           <a:p>
             <a:fld id="{48A87A34-81AB-432B-8DAE-1953F412C126}" type="datetimeFigureOut">
               <a:rPr lang="en-US" dirty="0"/>
-              <a:t>11/11/2022</a:t>
+              <a:t>11/12/2022</a:t>
             </a:fld>
             <a:endParaRPr lang="en-US" dirty="0"/>
           </a:p>
@@ -15781,7 +15629,7 @@
           <a:p>
             <a:fld id="{48A87A34-81AB-432B-8DAE-1953F412C126}" type="datetimeFigureOut">
               <a:rPr lang="en-US" dirty="0"/>
-              <a:t>11/11/2022</a:t>
+              <a:t>11/12/2022</a:t>
             </a:fld>
             <a:endParaRPr lang="en-US" dirty="0"/>
           </a:p>
@@ -15946,7 +15794,7 @@
           <a:p>
             <a:fld id="{48A87A34-81AB-432B-8DAE-1953F412C126}" type="datetimeFigureOut">
               <a:rPr lang="en-US" dirty="0"/>
-              <a:t>11/11/2022</a:t>
+              <a:t>11/12/2022</a:t>
             </a:fld>
             <a:endParaRPr lang="en-US" dirty="0"/>
           </a:p>
@@ -16191,7 +16039,7 @@
           <a:p>
             <a:fld id="{48A87A34-81AB-432B-8DAE-1953F412C126}" type="datetimeFigureOut">
               <a:rPr lang="en-US" dirty="0"/>
-              <a:t>11/11/2022</a:t>
+              <a:t>11/12/2022</a:t>
             </a:fld>
             <a:endParaRPr lang="en-US" dirty="0"/>
           </a:p>
@@ -16418,7 +16266,7 @@
           <a:p>
             <a:fld id="{48A87A34-81AB-432B-8DAE-1953F412C126}" type="datetimeFigureOut">
               <a:rPr lang="en-US" dirty="0"/>
-              <a:t>11/11/2022</a:t>
+              <a:t>11/12/2022</a:t>
             </a:fld>
             <a:endParaRPr lang="en-US" dirty="0"/>
           </a:p>
@@ -16794,7 +16642,7 @@
           <a:p>
             <a:fld id="{48A87A34-81AB-432B-8DAE-1953F412C126}" type="datetimeFigureOut">
               <a:rPr lang="en-US" dirty="0"/>
-              <a:t>11/11/2022</a:t>
+              <a:t>11/12/2022</a:t>
             </a:fld>
             <a:endParaRPr lang="en-US" dirty="0"/>
           </a:p>
@@ -16907,7 +16755,7 @@
           <a:p>
             <a:fld id="{48A87A34-81AB-432B-8DAE-1953F412C126}" type="datetimeFigureOut">
               <a:rPr lang="en-US" dirty="0"/>
-              <a:t>11/11/2022</a:t>
+              <a:t>11/12/2022</a:t>
             </a:fld>
             <a:endParaRPr lang="en-US" dirty="0"/>
           </a:p>
@@ -16997,7 +16845,7 @@
           <a:p>
             <a:fld id="{48A87A34-81AB-432B-8DAE-1953F412C126}" type="datetimeFigureOut">
               <a:rPr lang="en-US" dirty="0"/>
-              <a:t>11/11/2022</a:t>
+              <a:t>11/12/2022</a:t>
             </a:fld>
             <a:endParaRPr lang="en-US" dirty="0"/>
           </a:p>
@@ -17241,7 +17089,7 @@
           <a:p>
             <a:fld id="{48A87A34-81AB-432B-8DAE-1953F412C126}" type="datetimeFigureOut">
               <a:rPr lang="en-US" dirty="0"/>
-              <a:t>11/11/2022</a:t>
+              <a:t>11/12/2022</a:t>
             </a:fld>
             <a:endParaRPr lang="en-US" dirty="0"/>
           </a:p>
@@ -17516,7 +17364,7 @@
           <a:p>
             <a:fld id="{48A87A34-81AB-432B-8DAE-1953F412C126}" type="datetimeFigureOut">
               <a:rPr lang="en-US" dirty="0"/>
-              <a:t>11/11/2022</a:t>
+              <a:t>11/12/2022</a:t>
             </a:fld>
             <a:endParaRPr lang="en-US" dirty="0"/>
           </a:p>
@@ -20589,7 +20437,7 @@
             <a:fld id="{48A87A34-81AB-432B-8DAE-1953F412C126}" type="datetimeFigureOut">
               <a:rPr lang="en-US" dirty="0"/>
               <a:pPr/>
-              <a:t>11/11/2022</a:t>
+              <a:t>11/12/2022</a:t>
             </a:fld>
             <a:endParaRPr lang="en-US" dirty="0"/>
           </a:p>
@@ -21051,11 +20899,13 @@
         </p:nvSpPr>
         <p:spPr/>
         <p:txBody>
-          <a:bodyPr/>
+          <a:bodyPr>
+            <a:normAutofit/>
+          </a:bodyPr>
           <a:lstStyle/>
           <a:p>
             <a:r>
-              <a:rPr lang="de-DE" dirty="0"/>
+              <a:rPr lang="de-DE" sz="2200" dirty="0"/>
               <a:t>Modul 295, Alexander Ernst</a:t>
             </a:r>
           </a:p>
@@ -32266,98 +32116,6 @@
   <p:clrMapOvr>
     <a:masterClrMapping/>
   </p:clrMapOvr>
-  <p:timing>
-    <p:tnLst>
-      <p:par>
-        <p:cTn id="1" dur="indefinite" restart="never" nodeType="tmRoot">
-          <p:childTnLst>
-            <p:seq concurrent="1" nextAc="seek">
-              <p:cTn id="2" dur="indefinite" nodeType="mainSeq">
-                <p:childTnLst>
-                  <p:par>
-                    <p:cTn id="3" fill="hold">
-                      <p:stCondLst>
-                        <p:cond delay="indefinite"/>
-                        <p:cond evt="onBegin" delay="0">
-                          <p:tn val="2"/>
-                        </p:cond>
-                      </p:stCondLst>
-                      <p:childTnLst>
-                        <p:par>
-                          <p:cTn id="4" fill="hold">
-                            <p:stCondLst>
-                              <p:cond delay="0"/>
-                            </p:stCondLst>
-                            <p:childTnLst>
-                              <p:par>
-                                <p:cTn id="5" presetID="10" presetClass="entr" presetSubtype="0" fill="hold" grpId="0" nodeType="withEffect">
-                                  <p:stCondLst>
-                                    <p:cond delay="1000"/>
-                                  </p:stCondLst>
-                                  <p:iterate type="lt">
-                                    <p:tmPct val="10000"/>
-                                  </p:iterate>
-                                  <p:childTnLst>
-                                    <p:set>
-                                      <p:cBhvr>
-                                        <p:cTn id="6" dur="1" fill="hold">
-                                          <p:stCondLst>
-                                            <p:cond delay="0"/>
-                                          </p:stCondLst>
-                                        </p:cTn>
-                                        <p:tgtEl>
-                                          <p:spTgt spid="2"/>
-                                        </p:tgtEl>
-                                        <p:attrNameLst>
-                                          <p:attrName>style.visibility</p:attrName>
-                                        </p:attrNameLst>
-                                      </p:cBhvr>
-                                      <p:to>
-                                        <p:strVal val="visible"/>
-                                      </p:to>
-                                    </p:set>
-                                    <p:animEffect transition="in" filter="fade">
-                                      <p:cBhvr>
-                                        <p:cTn id="7" dur="400"/>
-                                        <p:tgtEl>
-                                          <p:spTgt spid="2"/>
-                                        </p:tgtEl>
-                                      </p:cBhvr>
-                                    </p:animEffect>
-                                  </p:childTnLst>
-                                </p:cTn>
-                              </p:par>
-                            </p:childTnLst>
-                          </p:cTn>
-                        </p:par>
-                      </p:childTnLst>
-                    </p:cTn>
-                  </p:par>
-                </p:childTnLst>
-              </p:cTn>
-              <p:prevCondLst>
-                <p:cond evt="onPrev" delay="0">
-                  <p:tgtEl>
-                    <p:sldTgt/>
-                  </p:tgtEl>
-                </p:cond>
-              </p:prevCondLst>
-              <p:nextCondLst>
-                <p:cond evt="onNext" delay="0">
-                  <p:tgtEl>
-                    <p:sldTgt/>
-                  </p:tgtEl>
-                </p:cond>
-              </p:nextCondLst>
-            </p:seq>
-          </p:childTnLst>
-        </p:cTn>
-      </p:par>
-    </p:tnLst>
-    <p:bldLst>
-      <p:bldP spid="2" grpId="0"/>
-    </p:bldLst>
-  </p:timing>
 </p:sld>
 </file>
 
@@ -32425,19 +32183,13 @@
         <p:spPr/>
         <p:txBody>
           <a:bodyPr>
-            <a:normAutofit fontScale="85000" lnSpcReduction="20000"/>
+            <a:normAutofit fontScale="92500" lnSpcReduction="10000"/>
           </a:bodyPr>
           <a:lstStyle/>
           <a:p>
             <a:r>
               <a:rPr lang="de-DE" dirty="0"/>
-              <a:t>Ausgangslage</a:t>
-            </a:r>
-          </a:p>
-          <a:p>
-            <a:r>
-              <a:rPr lang="de-DE" dirty="0"/>
-              <a:t>Anforderungen</a:t>
+              <a:t>Ausgangslage/Anforderungen</a:t>
             </a:r>
           </a:p>
           <a:p>
@@ -32496,27 +32248,25 @@
   <p:cSld>
     <p:bg>
       <p:bgPr>
-        <a:gradFill rotWithShape="1">
-          <a:gsLst>
-            <a:gs pos="0">
+        <a:blipFill>
+          <a:blip r:embed="rId2">
+            <a:duotone>
+              <a:schemeClr val="bg2">
+                <a:shade val="88000"/>
+                <a:hueMod val="106000"/>
+                <a:satMod val="140000"/>
+                <a:lumMod val="54000"/>
+              </a:schemeClr>
               <a:schemeClr val="bg2">
                 <a:tint val="98000"/>
-                <a:hueMod val="94000"/>
-                <a:satMod val="148000"/>
-                <a:lumMod val="150000"/>
+                <a:hueMod val="90000"/>
+                <a:satMod val="150000"/>
+                <a:lumMod val="160000"/>
               </a:schemeClr>
-            </a:gs>
-            <a:gs pos="100000">
-              <a:schemeClr val="bg2">
-                <a:shade val="92000"/>
-                <a:hueMod val="104000"/>
-                <a:satMod val="140000"/>
-                <a:lumMod val="68000"/>
-              </a:schemeClr>
-            </a:gs>
-          </a:gsLst>
-          <a:lin ang="5040000" scaled="0"/>
-        </a:gradFill>
+            </a:duotone>
+          </a:blip>
+          <a:stretch/>
+        </a:blipFill>
         <a:effectLst/>
       </p:bgPr>
     </p:bg>
@@ -32534,66 +32284,6 @@
           <a:chExt cx="0" cy="0"/>
         </a:xfrm>
       </p:grpSpPr>
-      <p:sp useBgFill="1">
-        <p:nvSpPr>
-          <p:cNvPr id="9" name="Rectangle 8">
-            <a:extLst>
-              <a:ext uri="{FF2B5EF4-FFF2-40B4-BE49-F238E27FC236}">
-                <a16:creationId xmlns:a16="http://schemas.microsoft.com/office/drawing/2014/main" id="{2EEF4763-EB4A-4A35-89EB-AD2763B48C3B}"/>
-              </a:ext>
-              <a:ext uri="{C183D7F6-B498-43B3-948B-1728B52AA6E4}">
-                <adec:decorative xmlns:adec="http://schemas.microsoft.com/office/drawing/2017/decorative" val="1"/>
-              </a:ext>
-            </a:extLst>
-          </p:cNvPr>
-          <p:cNvSpPr>
-            <a:spLocks noGrp="1" noRot="1" noChangeAspect="1" noMove="1" noResize="1" noEditPoints="1" noAdjustHandles="1" noChangeArrowheads="1" noChangeShapeType="1" noTextEdit="1"/>
-          </p:cNvSpPr>
-          <p:nvPr>
-            <p:extLst>
-              <p:ext uri="{386F3935-93C4-4BCD-93E2-E3B085C9AB24}">
-                <p16:designElem xmlns:p16="http://schemas.microsoft.com/office/powerpoint/2015/main" val="1"/>
-              </p:ext>
-            </p:extLst>
-          </p:nvPr>
-        </p:nvSpPr>
-        <p:spPr>
-          <a:xfrm>
-            <a:off x="0" y="0"/>
-            <a:ext cx="12192000" cy="6858000"/>
-          </a:xfrm>
-          <a:prstGeom prst="rect">
-            <a:avLst/>
-          </a:prstGeom>
-          <a:ln>
-            <a:noFill/>
-          </a:ln>
-        </p:spPr>
-        <p:style>
-          <a:lnRef idx="2">
-            <a:schemeClr val="accent1">
-              <a:shade val="50000"/>
-            </a:schemeClr>
-          </a:lnRef>
-          <a:fillRef idx="1">
-            <a:schemeClr val="accent1"/>
-          </a:fillRef>
-          <a:effectRef idx="0">
-            <a:schemeClr val="accent1"/>
-          </a:effectRef>
-          <a:fontRef idx="minor">
-            <a:schemeClr val="lt1"/>
-          </a:fontRef>
-        </p:style>
-        <p:txBody>
-          <a:bodyPr rtlCol="0" anchor="ctr"/>
-          <a:lstStyle/>
-          <a:p>
-            <a:pPr algn="ctr"/>
-            <a:endParaRPr lang="en-US"/>
-          </a:p>
-        </p:txBody>
-      </p:sp>
       <p:sp>
         <p:nvSpPr>
           <p:cNvPr id="2" name="Title 1">
@@ -32612,7 +32302,7 @@
         </p:nvSpPr>
         <p:spPr>
           <a:xfrm>
-            <a:off x="1141411" y="637711"/>
+            <a:off x="1141413" y="618518"/>
             <a:ext cx="9905998" cy="1478570"/>
           </a:xfrm>
         </p:spPr>
@@ -32645,18 +32335,18 @@
             <p:ph idx="1"/>
             <p:extLst>
               <p:ext uri="{D42A27DB-BD31-4B8C-83A1-F6EECF244321}">
-                <p14:modId xmlns:p14="http://schemas.microsoft.com/office/powerpoint/2010/main" val="121915803"/>
+                <p14:modId xmlns:p14="http://schemas.microsoft.com/office/powerpoint/2010/main" val="1304521473"/>
               </p:ext>
             </p:extLst>
           </p:nvPr>
         </p:nvGraphicFramePr>
         <p:xfrm>
-          <a:off x="1141411" y="2440771"/>
-          <a:ext cx="9905999" cy="3584850"/>
+          <a:off x="1141413" y="2418820"/>
+          <a:ext cx="9906000" cy="3142721"/>
         </p:xfrm>
         <a:graphic>
           <a:graphicData uri="http://schemas.openxmlformats.org/drawingml/2006/diagram">
-            <dgm:relIds xmlns:dgm="http://schemas.openxmlformats.org/drawingml/2006/diagram" xmlns:r="http://schemas.openxmlformats.org/officeDocument/2006/relationships" r:dm="rId2" r:lo="rId3" r:qs="rId4" r:cs="rId5"/>
+            <dgm:relIds xmlns:dgm="http://schemas.openxmlformats.org/drawingml/2006/diagram" xmlns:r="http://schemas.openxmlformats.org/officeDocument/2006/relationships" r:dm="rId3" r:lo="rId4" r:qs="rId5" r:cs="rId6"/>
           </a:graphicData>
         </a:graphic>
       </p:graphicFrame>
@@ -36581,7 +36271,7 @@
             <p:ph idx="1"/>
             <p:extLst>
               <p:ext uri="{D42A27DB-BD31-4B8C-83A1-F6EECF244321}">
-                <p14:modId xmlns:p14="http://schemas.microsoft.com/office/powerpoint/2010/main" val="1560608406"/>
+                <p14:modId xmlns:p14="http://schemas.microsoft.com/office/powerpoint/2010/main" val="383155496"/>
               </p:ext>
             </p:extLst>
           </p:nvPr>
@@ -40476,7 +40166,7 @@
         <p:spPr>
           <a:xfrm>
             <a:off x="1528275" y="4767448"/>
-            <a:ext cx="1845762" cy="369332"/>
+            <a:ext cx="2217210" cy="430887"/>
           </a:xfrm>
           <a:prstGeom prst="rect">
             <a:avLst/>
@@ -40490,10 +40180,10 @@
           <a:lstStyle/>
           <a:p>
             <a:r>
-              <a:rPr lang="de-DE" dirty="0" err="1"/>
+              <a:rPr lang="de-DE" sz="2200" dirty="0" err="1"/>
               <a:t>Versionierungstool</a:t>
             </a:r>
-            <a:endParaRPr lang="de-DE" dirty="0"/>
+            <a:endParaRPr lang="de-DE" sz="2200" dirty="0"/>
           </a:p>
         </p:txBody>
       </p:sp>
@@ -40512,7 +40202,7 @@
         <p:spPr>
           <a:xfrm>
             <a:off x="5450136" y="4767448"/>
-            <a:ext cx="1145635" cy="369332"/>
+            <a:ext cx="1361142" cy="430887"/>
           </a:xfrm>
           <a:prstGeom prst="rect">
             <a:avLst/>
@@ -40526,10 +40216,10 @@
           <a:lstStyle/>
           <a:p>
             <a:r>
-              <a:rPr lang="de-DE" dirty="0" err="1"/>
+              <a:rPr lang="de-DE" sz="2200" dirty="0" err="1"/>
               <a:t>Testingtool</a:t>
             </a:r>
-            <a:endParaRPr lang="de-DE" dirty="0"/>
+            <a:endParaRPr lang="de-DE" sz="2200" dirty="0"/>
           </a:p>
         </p:txBody>
       </p:sp>
@@ -40548,7 +40238,7 @@
         <p:spPr>
           <a:xfrm>
             <a:off x="9356545" y="4823115"/>
-            <a:ext cx="476412" cy="369332"/>
+            <a:ext cx="540533" cy="430887"/>
           </a:xfrm>
           <a:prstGeom prst="rect">
             <a:avLst/>
@@ -40562,7 +40252,7 @@
           <a:lstStyle/>
           <a:p>
             <a:r>
-              <a:rPr lang="de-DE" dirty="0"/>
+              <a:rPr lang="de-DE" sz="2200" dirty="0"/>
               <a:t>IDE</a:t>
             </a:r>
           </a:p>
